--- a/scripts/cross_validate.pptx
+++ b/scripts/cross_validate.pptx
@@ -3205,7 +3205,7 @@
         <p:spPr>
           <a:xfrm>
             <a:off x="3296548" y="1640926"/>
-            <a:ext cx="1108334" cy="369332"/>
+            <a:ext cx="1561068" cy="369332"/>
           </a:xfrm>
           <a:prstGeom prst="rect">
             <a:avLst/>
@@ -3220,7 +3220,7 @@
           <a:p>
             <a:r>
               <a:rPr lang="en-US" dirty="0"/>
-              <a:t>Full Data</a:t>
+              <a:t>Training Data</a:t>
             </a:r>
           </a:p>
         </p:txBody>
@@ -3453,9 +3453,9 @@
         <p:grpSpPr>
           <a:xfrm>
             <a:off x="6845393" y="2991915"/>
-            <a:ext cx="1983638" cy="1013093"/>
+            <a:ext cx="2068395" cy="1013093"/>
             <a:chOff x="556560" y="4337752"/>
-            <a:chExt cx="1983638" cy="1013093"/>
+            <a:chExt cx="2068395" cy="1013093"/>
           </a:xfrm>
         </p:grpSpPr>
         <p:sp>
@@ -3506,7 +3506,7 @@
           <p:spPr>
             <a:xfrm>
               <a:off x="585101" y="4680205"/>
-              <a:ext cx="1775696" cy="369332"/>
+              <a:ext cx="2039854" cy="369332"/>
             </a:xfrm>
             <a:prstGeom prst="rect">
               <a:avLst/>
@@ -3521,7 +3521,7 @@
             <a:p>
               <a:r>
                 <a:rPr lang="en-US" dirty="0"/>
-                <a:t>Testing Dataset</a:t>
+                <a:t>Validation Dataset</a:t>
               </a:r>
             </a:p>
           </p:txBody>
@@ -3700,7 +3700,7 @@
         <p:spPr>
           <a:xfrm>
             <a:off x="4994771" y="2556713"/>
-            <a:ext cx="684998" cy="369332"/>
+            <a:ext cx="684998" cy="646331"/>
           </a:xfrm>
           <a:prstGeom prst="rect">
             <a:avLst/>
@@ -3715,7 +3715,7 @@
           <a:p>
             <a:r>
               <a:rPr lang="en-US" dirty="0"/>
-              <a:t>Test</a:t>
+              <a:t>Validation</a:t>
             </a:r>
           </a:p>
         </p:txBody>
@@ -3893,7 +3893,7 @@
         <p:spPr>
           <a:xfrm>
             <a:off x="3296548" y="1640926"/>
-            <a:ext cx="1108334" cy="369332"/>
+            <a:ext cx="1561068" cy="369332"/>
           </a:xfrm>
           <a:prstGeom prst="rect">
             <a:avLst/>
@@ -3908,7 +3908,7 @@
           <a:p>
             <a:r>
               <a:rPr lang="en-US" dirty="0"/>
-              <a:t>Full Data</a:t>
+              <a:t>Training Data</a:t>
             </a:r>
           </a:p>
         </p:txBody>
@@ -4141,9 +4141,9 @@
         <p:grpSpPr>
           <a:xfrm>
             <a:off x="6845393" y="2991915"/>
-            <a:ext cx="1983638" cy="1013093"/>
+            <a:ext cx="2068395" cy="1013093"/>
             <a:chOff x="556560" y="4337752"/>
-            <a:chExt cx="1983638" cy="1013093"/>
+            <a:chExt cx="2068395" cy="1013093"/>
           </a:xfrm>
         </p:grpSpPr>
         <p:sp>
@@ -4194,7 +4194,7 @@
           <p:spPr>
             <a:xfrm>
               <a:off x="585101" y="4680205"/>
-              <a:ext cx="1775696" cy="369332"/>
+              <a:ext cx="2039854" cy="369332"/>
             </a:xfrm>
             <a:prstGeom prst="rect">
               <a:avLst/>
@@ -4209,7 +4209,7 @@
             <a:p>
               <a:r>
                 <a:rPr lang="en-US" dirty="0"/>
-                <a:t>Testing Dataset</a:t>
+                <a:t>Validation Dataset</a:t>
               </a:r>
             </a:p>
           </p:txBody>
@@ -4388,7 +4388,7 @@
         <p:spPr>
           <a:xfrm>
             <a:off x="2340406" y="2548290"/>
-            <a:ext cx="684998" cy="369332"/>
+            <a:ext cx="684998" cy="646331"/>
           </a:xfrm>
           <a:prstGeom prst="rect">
             <a:avLst/>
@@ -4403,7 +4403,7 @@
           <a:p>
             <a:r>
               <a:rPr lang="en-US" dirty="0"/>
-              <a:t>Test</a:t>
+              <a:t>Validation</a:t>
             </a:r>
           </a:p>
         </p:txBody>
